--- a/Document/KLTN_Sang_Hai.pptx
+++ b/Document/KLTN_Sang_Hai.pptx
@@ -228,7 +228,7 @@
           <a:p>
             <a:fld id="{AABDFC10-A287-4D77-A025-57F6FD230956}" type="datetimeFigureOut">
               <a:rPr lang="en-US" smtClean="0"/>
-              <a:t>06/22/2022</a:t>
+              <a:t>06/23/2022</a:t>
             </a:fld>
             <a:endParaRPr lang="en-US"/>
           </a:p>
@@ -722,7 +722,7 @@
           <a:p>
             <a:fld id="{09AB8CBC-034D-40B0-99FD-1D0F8DEF8E9A}" type="datetimeFigureOut">
               <a:rPr lang="en-US" smtClean="0"/>
-              <a:t>06/22/2022</a:t>
+              <a:t>06/23/2022</a:t>
             </a:fld>
             <a:endParaRPr lang="en-US"/>
           </a:p>
@@ -930,7 +930,7 @@
           <a:p>
             <a:fld id="{09AB8CBC-034D-40B0-99FD-1D0F8DEF8E9A}" type="datetimeFigureOut">
               <a:rPr lang="en-US" smtClean="0"/>
-              <a:t>06/22/2022</a:t>
+              <a:t>06/23/2022</a:t>
             </a:fld>
             <a:endParaRPr lang="en-US"/>
           </a:p>
@@ -1186,7 +1186,7 @@
           <a:p>
             <a:fld id="{09AB8CBC-034D-40B0-99FD-1D0F8DEF8E9A}" type="datetimeFigureOut">
               <a:rPr lang="en-US" smtClean="0"/>
-              <a:t>06/22/2022</a:t>
+              <a:t>06/23/2022</a:t>
             </a:fld>
             <a:endParaRPr lang="en-US"/>
           </a:p>
@@ -1360,7 +1360,7 @@
           <a:p>
             <a:fld id="{09AB8CBC-034D-40B0-99FD-1D0F8DEF8E9A}" type="datetimeFigureOut">
               <a:rPr lang="en-US" smtClean="0"/>
-              <a:t>06/22/2022</a:t>
+              <a:t>06/23/2022</a:t>
             </a:fld>
             <a:endParaRPr lang="en-US"/>
           </a:p>
@@ -1703,7 +1703,7 @@
           <a:p>
             <a:fld id="{09AB8CBC-034D-40B0-99FD-1D0F8DEF8E9A}" type="datetimeFigureOut">
               <a:rPr lang="en-US" smtClean="0"/>
-              <a:t>06/22/2022</a:t>
+              <a:t>06/23/2022</a:t>
             </a:fld>
             <a:endParaRPr lang="en-US"/>
           </a:p>
@@ -1978,7 +1978,7 @@
           <a:p>
             <a:fld id="{09AB8CBC-034D-40B0-99FD-1D0F8DEF8E9A}" type="datetimeFigureOut">
               <a:rPr lang="en-US" smtClean="0"/>
-              <a:t>06/22/2022</a:t>
+              <a:t>06/23/2022</a:t>
             </a:fld>
             <a:endParaRPr lang="en-US"/>
           </a:p>
@@ -2357,7 +2357,7 @@
           <a:p>
             <a:fld id="{09AB8CBC-034D-40B0-99FD-1D0F8DEF8E9A}" type="datetimeFigureOut">
               <a:rPr lang="en-US" smtClean="0"/>
-              <a:t>06/22/2022</a:t>
+              <a:t>06/23/2022</a:t>
             </a:fld>
             <a:endParaRPr lang="en-US"/>
           </a:p>
@@ -2475,7 +2475,7 @@
           <a:p>
             <a:fld id="{09AB8CBC-034D-40B0-99FD-1D0F8DEF8E9A}" type="datetimeFigureOut">
               <a:rPr lang="en-US" smtClean="0"/>
-              <a:t>06/22/2022</a:t>
+              <a:t>06/23/2022</a:t>
             </a:fld>
             <a:endParaRPr lang="en-US"/>
           </a:p>
@@ -2646,7 +2646,7 @@
           <a:p>
             <a:fld id="{09AB8CBC-034D-40B0-99FD-1D0F8DEF8E9A}" type="datetimeFigureOut">
               <a:rPr lang="en-US" smtClean="0"/>
-              <a:t>06/22/2022</a:t>
+              <a:t>06/23/2022</a:t>
             </a:fld>
             <a:endParaRPr lang="en-US"/>
           </a:p>
@@ -3000,7 +3000,7 @@
           <a:p>
             <a:fld id="{09AB8CBC-034D-40B0-99FD-1D0F8DEF8E9A}" type="datetimeFigureOut">
               <a:rPr lang="en-US" smtClean="0"/>
-              <a:t>06/22/2022</a:t>
+              <a:t>06/23/2022</a:t>
             </a:fld>
             <a:endParaRPr lang="en-US"/>
           </a:p>
@@ -3382,7 +3382,7 @@
           <a:p>
             <a:fld id="{09AB8CBC-034D-40B0-99FD-1D0F8DEF8E9A}" type="datetimeFigureOut">
               <a:rPr lang="en-US" smtClean="0"/>
-              <a:t>06/22/2022</a:t>
+              <a:t>06/23/2022</a:t>
             </a:fld>
             <a:endParaRPr lang="en-US"/>
           </a:p>
@@ -3669,7 +3669,7 @@
           <a:p>
             <a:fld id="{09AB8CBC-034D-40B0-99FD-1D0F8DEF8E9A}" type="datetimeFigureOut">
               <a:rPr lang="en-US" smtClean="0"/>
-              <a:t>06/22/2022</a:t>
+              <a:t>06/23/2022</a:t>
             </a:fld>
             <a:endParaRPr lang="en-US"/>
           </a:p>
@@ -18634,17 +18634,7 @@
                 <a:latin typeface="Times New Roman" panose="02020603050405020304" pitchFamily="18" charset="0"/>
                 <a:cs typeface="Times New Roman" panose="02020603050405020304" pitchFamily="18" charset="0"/>
               </a:rPr>
-              <a:t>Phép </a:t>
-            </a:r>
-            <a:r>
-              <a:rPr lang="en-US" sz="4000" b="1" smtClean="0">
-                <a:solidFill>
-                  <a:srgbClr val="FF0000"/>
-                </a:solidFill>
-                <a:latin typeface="Times New Roman" panose="02020603050405020304" pitchFamily="18" charset="0"/>
-                <a:cs typeface="Times New Roman" panose="02020603050405020304" pitchFamily="18" charset="0"/>
-              </a:rPr>
-              <a:t>kết tự nhiên</a:t>
+              <a:t>Phép kết tự nhiên</a:t>
             </a:r>
             <a:endParaRPr lang="en-US" sz="4000" b="1" dirty="0">
               <a:solidFill>
@@ -21454,7 +21444,21 @@
                 <a:latin typeface="Times New Roman" panose="02020603050405020304" pitchFamily="18" charset="0"/>
                 <a:cs typeface="Times New Roman" panose="02020603050405020304" pitchFamily="18" charset="0"/>
               </a:rPr>
-              <a:t>ProbSchema: lưu trữ lược đồ quan hệ</a:t>
+              <a:t>ProbSchema: </a:t>
+            </a:r>
+            <a:r>
+              <a:rPr lang="en-US" sz="2800" b="1" dirty="0" smtClean="0">
+                <a:latin typeface="Times New Roman" panose="02020603050405020304" pitchFamily="18" charset="0"/>
+                <a:cs typeface="Times New Roman" panose="02020603050405020304" pitchFamily="18" charset="0"/>
+              </a:rPr>
+              <a:t>lược </a:t>
+            </a:r>
+            <a:r>
+              <a:rPr lang="en-US" sz="2800" b="1" dirty="0" smtClean="0">
+                <a:latin typeface="Times New Roman" panose="02020603050405020304" pitchFamily="18" charset="0"/>
+                <a:cs typeface="Times New Roman" panose="02020603050405020304" pitchFamily="18" charset="0"/>
+              </a:rPr>
+              <a:t>đồ quan hệ</a:t>
             </a:r>
             <a:r>
               <a:rPr lang="en-US" sz="2800" b="1" dirty="0" smtClean="0">
@@ -21505,7 +21509,21 @@
                 <a:latin typeface="Times New Roman" panose="02020603050405020304" pitchFamily="18" charset="0"/>
                 <a:cs typeface="Times New Roman" panose="02020603050405020304" pitchFamily="18" charset="0"/>
               </a:rPr>
-              <a:t>ProbRelation: lưu trữ các quan hệ</a:t>
+              <a:t>ProbRelation: </a:t>
+            </a:r>
+            <a:r>
+              <a:rPr lang="en-US" sz="2800" b="1" dirty="0" smtClean="0">
+                <a:latin typeface="Times New Roman" panose="02020603050405020304" pitchFamily="18" charset="0"/>
+                <a:cs typeface="Times New Roman" panose="02020603050405020304" pitchFamily="18" charset="0"/>
+              </a:rPr>
+              <a:t>các </a:t>
+            </a:r>
+            <a:r>
+              <a:rPr lang="en-US" sz="2800" b="1" dirty="0" smtClean="0">
+                <a:latin typeface="Times New Roman" panose="02020603050405020304" pitchFamily="18" charset="0"/>
+                <a:cs typeface="Times New Roman" panose="02020603050405020304" pitchFamily="18" charset="0"/>
+              </a:rPr>
+              <a:t>quan hệ</a:t>
             </a:r>
             <a:r>
               <a:rPr lang="en-US" sz="2800" b="1" dirty="0" smtClean="0">
@@ -21547,16 +21565,28 @@
                 <a:latin typeface="Times New Roman" panose="02020603050405020304" pitchFamily="18" charset="0"/>
                 <a:cs typeface="Times New Roman" panose="02020603050405020304" pitchFamily="18" charset="0"/>
               </a:rPr>
-              <a:t>ProbAttribute: lưu trữ các thuộc tính</a:t>
+              <a:t>ProbAttribute: </a:t>
             </a:r>
             <a:r>
               <a:rPr lang="en-US" sz="2800" b="1" dirty="0" smtClean="0">
                 <a:latin typeface="Times New Roman" panose="02020603050405020304" pitchFamily="18" charset="0"/>
+                <a:cs typeface="Times New Roman" panose="02020603050405020304" pitchFamily="18" charset="0"/>
+              </a:rPr>
+              <a:t>thuộc tính của quan hệ</a:t>
+            </a:r>
+            <a:r>
+              <a:rPr lang="en-US" sz="2800" b="1" dirty="0" smtClean="0">
+                <a:latin typeface="Times New Roman" panose="02020603050405020304" pitchFamily="18" charset="0"/>
                 <a:ea typeface="Calibri" panose="020F0502020204030204" pitchFamily="34" charset="0"/>
                 <a:cs typeface="Times New Roman" panose="02020603050405020304" pitchFamily="18" charset="0"/>
               </a:rPr>
               <a:t>.</a:t>
             </a:r>
+            <a:endParaRPr lang="en-US" sz="2800" b="1" dirty="0" smtClean="0">
+              <a:latin typeface="Times New Roman" panose="02020603050405020304" pitchFamily="18" charset="0"/>
+              <a:ea typeface="Calibri" panose="020F0502020204030204" pitchFamily="34" charset="0"/>
+              <a:cs typeface="Times New Roman" panose="02020603050405020304" pitchFamily="18" charset="0"/>
+            </a:endParaRPr>
           </a:p>
           <a:p>
             <a:pPr marL="342900" marR="0" lvl="0" indent="-342900" algn="just">
@@ -21580,7 +21610,28 @@
                 <a:latin typeface="Times New Roman" panose="02020603050405020304" pitchFamily="18" charset="0"/>
                 <a:cs typeface="Times New Roman" panose="02020603050405020304" pitchFamily="18" charset="0"/>
               </a:rPr>
-              <a:t>  ProbDataType: lưu trữ kiểu dữ liệu.</a:t>
+              <a:t>  ProbDataType</a:t>
+            </a:r>
+            <a:r>
+              <a:rPr lang="en-US" sz="2800" b="1" smtClean="0">
+                <a:latin typeface="Times New Roman" panose="02020603050405020304" pitchFamily="18" charset="0"/>
+                <a:cs typeface="Times New Roman" panose="02020603050405020304" pitchFamily="18" charset="0"/>
+              </a:rPr>
+              <a:t>: </a:t>
+            </a:r>
+            <a:r>
+              <a:rPr lang="en-US" sz="2800" b="1" smtClean="0">
+                <a:latin typeface="Times New Roman" panose="02020603050405020304" pitchFamily="18" charset="0"/>
+                <a:cs typeface="Times New Roman" panose="02020603050405020304" pitchFamily="18" charset="0"/>
+              </a:rPr>
+              <a:t>định nghĩa kiểu </a:t>
+            </a:r>
+            <a:r>
+              <a:rPr lang="en-US" sz="2800" b="1" dirty="0" smtClean="0">
+                <a:latin typeface="Times New Roman" panose="02020603050405020304" pitchFamily="18" charset="0"/>
+                <a:cs typeface="Times New Roman" panose="02020603050405020304" pitchFamily="18" charset="0"/>
+              </a:rPr>
+              <a:t>dữ liệu.</a:t>
             </a:r>
           </a:p>
           <a:p>
